--- a/Doug Herd Project Presentation.pptx
+++ b/Doug Herd Project Presentation.pptx
@@ -6250,11 +6250,7 @@
           <a:p>
             <a:r>
               <a:rPr lang="en-US" dirty="0" smtClean="0"/>
-              <a:t>Project </a:t>
-            </a:r>
-            <a:r>
-              <a:rPr lang="en-US" dirty="0" smtClean="0"/>
-              <a:t>Unicorn</a:t>
+              <a:t>Project Unicorn</a:t>
             </a:r>
             <a:endParaRPr lang="en-US" sz="2700" dirty="0"/>
           </a:p>
@@ -6279,11 +6275,7 @@
           <a:p>
             <a:r>
               <a:rPr lang="en-US" dirty="0" smtClean="0"/>
-              <a:t>Doug Herd – SE </a:t>
-            </a:r>
-            <a:r>
-              <a:rPr lang="en-US" dirty="0" smtClean="0"/>
-              <a:t>Candidate</a:t>
+              <a:t>Doug Herd – SE Candidate</a:t>
             </a:r>
           </a:p>
         </p:txBody>
@@ -6342,11 +6334,7 @@
           <a:p>
             <a:r>
               <a:rPr lang="en-US" dirty="0" smtClean="0"/>
-              <a:t>Project </a:t>
-            </a:r>
-            <a:r>
-              <a:rPr lang="en-US" dirty="0" smtClean="0"/>
-              <a:t>Requirements</a:t>
+              <a:t>Project Requirements</a:t>
             </a:r>
             <a:endParaRPr lang="en-US" dirty="0"/>
           </a:p>
@@ -6716,8 +6704,8 @@
         </p:nvSpPr>
         <p:spPr>
           <a:xfrm>
-            <a:off x="3121692" y="1428516"/>
-            <a:ext cx="4398766" cy="717630"/>
+            <a:off x="2593610" y="1638904"/>
+            <a:ext cx="3510820" cy="476810"/>
           </a:xfrm>
           <a:prstGeom prst="roundRect">
             <a:avLst/>
@@ -6751,7 +6739,11 @@
             <a:pPr algn="ctr"/>
             <a:r>
               <a:rPr lang="en-US" b="1" u="sng" dirty="0" smtClean="0"/>
-              <a:t>Client Request</a:t>
+              <a:t>Client </a:t>
+            </a:r>
+            <a:r>
+              <a:rPr lang="en-US" b="1" u="sng" dirty="0" smtClean="0"/>
+              <a:t>Request</a:t>
             </a:r>
             <a:endParaRPr lang="en-US" b="1" u="sng" dirty="0"/>
           </a:p>
@@ -6765,8 +6757,8 @@
         </p:nvSpPr>
         <p:spPr>
           <a:xfrm>
-            <a:off x="3121692" y="2754079"/>
-            <a:ext cx="4398766" cy="1194508"/>
+            <a:off x="3152780" y="2856410"/>
+            <a:ext cx="2716974" cy="619883"/>
           </a:xfrm>
           <a:prstGeom prst="roundRect">
             <a:avLst/>
@@ -6800,23 +6792,20 @@
             <a:pPr algn="ctr"/>
             <a:r>
               <a:rPr lang="en-US" b="1" u="sng" dirty="0" smtClean="0"/>
-              <a:t>AWS API GW</a:t>
+              <a:t>AWS API </a:t>
+            </a:r>
+            <a:r>
+              <a:rPr lang="en-US" b="1" u="sng" dirty="0" smtClean="0"/>
+              <a:t>GW URL</a:t>
             </a:r>
           </a:p>
           <a:p>
             <a:pPr algn="ctr"/>
             <a:r>
               <a:rPr lang="en-US" dirty="0" smtClean="0"/>
-              <a:t>GET Method to ARN</a:t>
-            </a:r>
-          </a:p>
-          <a:p>
-            <a:pPr algn="ctr"/>
-            <a:r>
-              <a:rPr lang="en-US" dirty="0" smtClean="0"/>
-              <a:t>Integration Request Pass-through to S3 Bucket</a:t>
-            </a:r>
-            <a:endParaRPr lang="en-US" dirty="0"/>
+              <a:t>“JSON RESUME AWS API</a:t>
+            </a:r>
+            <a:endParaRPr lang="en-US" dirty="0" smtClean="0"/>
           </a:p>
         </p:txBody>
       </p:sp>
@@ -6828,7 +6817,7 @@
         </p:nvSpPr>
         <p:spPr>
           <a:xfrm>
-            <a:off x="285895" y="2868379"/>
+            <a:off x="94536" y="5197756"/>
             <a:ext cx="2387857" cy="965907"/>
           </a:xfrm>
           <a:prstGeom prst="roundRect">
@@ -6883,16 +6872,86 @@
           </a:p>
         </p:txBody>
       </p:sp>
-      <p:sp>
-        <p:nvSpPr>
-          <p:cNvPr id="9" name="Rounded Rectangle 8"/>
+      <p:pic>
+        <p:nvPicPr>
+          <p:cNvPr id="22" name="Picture 21"/>
+          <p:cNvPicPr>
+            <a:picLocks noChangeAspect="1"/>
+          </p:cNvPicPr>
+          <p:nvPr/>
+        </p:nvPicPr>
+        <p:blipFill>
+          <a:blip r:embed="rId2">
+            <a:extLst>
+              <a:ext uri="{28A0092B-C50C-407E-A947-70E740481C1C}">
+                <a14:useLocalDpi xmlns:a14="http://schemas.microsoft.com/office/drawing/2010/main" val="0"/>
+              </a:ext>
+            </a:extLst>
+          </a:blip>
+          <a:stretch>
+            <a:fillRect/>
+          </a:stretch>
+        </p:blipFill>
+        <p:spPr>
+          <a:xfrm>
+            <a:off x="8513165" y="2263098"/>
+            <a:ext cx="2318213" cy="2143889"/>
+          </a:xfrm>
+          <a:prstGeom prst="rect">
+            <a:avLst/>
+          </a:prstGeom>
+        </p:spPr>
+      </p:pic>
+      <p:sp>
+        <p:nvSpPr>
+          <p:cNvPr id="28" name="Bent-Up Arrow 27"/>
           <p:cNvSpPr/>
           <p:nvPr/>
         </p:nvSpPr>
         <p:spPr>
           <a:xfrm>
-            <a:off x="3121692" y="4556520"/>
-            <a:ext cx="4398766" cy="717630"/>
+            <a:off x="7840980" y="5912730"/>
+            <a:ext cx="1943101" cy="501865"/>
+          </a:xfrm>
+          <a:prstGeom prst="bentUpArrow">
+            <a:avLst/>
+          </a:prstGeom>
+        </p:spPr>
+        <p:style>
+          <a:lnRef idx="2">
+            <a:schemeClr val="accent1">
+              <a:shade val="50000"/>
+            </a:schemeClr>
+          </a:lnRef>
+          <a:fillRef idx="1">
+            <a:schemeClr val="accent1"/>
+          </a:fillRef>
+          <a:effectRef idx="0">
+            <a:schemeClr val="accent1"/>
+          </a:effectRef>
+          <a:fontRef idx="minor">
+            <a:schemeClr val="lt1"/>
+          </a:fontRef>
+        </p:style>
+        <p:txBody>
+          <a:bodyPr rtlCol="0" anchor="ctr"/>
+          <a:lstStyle/>
+          <a:p>
+            <a:pPr algn="ctr"/>
+            <a:endParaRPr lang="en-US"/>
+          </a:p>
+        </p:txBody>
+      </p:sp>
+      <p:sp>
+        <p:nvSpPr>
+          <p:cNvPr id="30" name="Rounded Rectangle 29"/>
+          <p:cNvSpPr/>
+          <p:nvPr/>
+        </p:nvSpPr>
+        <p:spPr>
+          <a:xfrm>
+            <a:off x="8317789" y="5037141"/>
+            <a:ext cx="2708963" cy="717630"/>
           </a:xfrm>
           <a:prstGeom prst="roundRect">
             <a:avLst/>
@@ -6926,16 +6985,510 @@
             <a:pPr algn="ctr"/>
             <a:r>
               <a:rPr lang="en-US" b="1" u="sng" dirty="0" smtClean="0"/>
+              <a:t>Method Response</a:t>
+            </a:r>
+          </a:p>
+          <a:p>
+            <a:pPr algn="ctr"/>
+            <a:r>
+              <a:rPr lang="en-US" dirty="0" smtClean="0"/>
+              <a:t>Specifies JSON Format</a:t>
+            </a:r>
+            <a:endParaRPr lang="en-US" dirty="0"/>
+          </a:p>
+        </p:txBody>
+      </p:sp>
+      <p:sp>
+        <p:nvSpPr>
+          <p:cNvPr id="31" name="Rounded Rectangle 30"/>
+          <p:cNvSpPr/>
+          <p:nvPr/>
+        </p:nvSpPr>
+        <p:spPr>
+          <a:xfrm>
+            <a:off x="3096677" y="5948905"/>
+            <a:ext cx="4648974" cy="717630"/>
+          </a:xfrm>
+          <a:prstGeom prst="roundRect">
+            <a:avLst/>
+          </a:prstGeom>
+          <a:solidFill>
+            <a:schemeClr val="tx1">
+              <a:lumMod val="65000"/>
+            </a:schemeClr>
+          </a:solidFill>
+        </p:spPr>
+        <p:style>
+          <a:lnRef idx="2">
+            <a:schemeClr val="accent1">
+              <a:shade val="50000"/>
+            </a:schemeClr>
+          </a:lnRef>
+          <a:fillRef idx="1">
+            <a:schemeClr val="accent1"/>
+          </a:fillRef>
+          <a:effectRef idx="0">
+            <a:schemeClr val="accent1"/>
+          </a:effectRef>
+          <a:fontRef idx="minor">
+            <a:schemeClr val="lt1"/>
+          </a:fontRef>
+        </p:style>
+        <p:txBody>
+          <a:bodyPr rtlCol="0" anchor="ctr"/>
+          <a:lstStyle/>
+          <a:p>
+            <a:pPr algn="ctr"/>
+            <a:r>
+              <a:rPr lang="en-US" b="1" u="sng" dirty="0" smtClean="0"/>
+              <a:t>Integration Response</a:t>
+            </a:r>
+            <a:endParaRPr lang="en-US" b="1" u="sng" dirty="0" smtClean="0"/>
+          </a:p>
+          <a:p>
+            <a:pPr algn="ctr"/>
+            <a:r>
+              <a:rPr lang="en-US" dirty="0" smtClean="0"/>
+              <a:t>Passes through HTTP:// to Method </a:t>
+            </a:r>
+            <a:r>
+              <a:rPr lang="en-US" dirty="0" err="1" smtClean="0"/>
+              <a:t>Repsonse</a:t>
+            </a:r>
+            <a:endParaRPr lang="en-US" dirty="0"/>
+          </a:p>
+        </p:txBody>
+      </p:sp>
+      <p:sp>
+        <p:nvSpPr>
+          <p:cNvPr id="32" name="Rounded Rectangle 31"/>
+          <p:cNvSpPr/>
+          <p:nvPr/>
+        </p:nvSpPr>
+        <p:spPr>
+          <a:xfrm>
+            <a:off x="3152780" y="4593717"/>
+            <a:ext cx="3546247" cy="914249"/>
+          </a:xfrm>
+          <a:prstGeom prst="roundRect">
+            <a:avLst/>
+          </a:prstGeom>
+          <a:solidFill>
+            <a:schemeClr val="tx1">
+              <a:lumMod val="65000"/>
+            </a:schemeClr>
+          </a:solidFill>
+        </p:spPr>
+        <p:style>
+          <a:lnRef idx="2">
+            <a:schemeClr val="accent1">
+              <a:shade val="50000"/>
+            </a:schemeClr>
+          </a:lnRef>
+          <a:fillRef idx="1">
+            <a:schemeClr val="accent1"/>
+          </a:fillRef>
+          <a:effectRef idx="0">
+            <a:schemeClr val="accent1"/>
+          </a:effectRef>
+          <a:fontRef idx="minor">
+            <a:schemeClr val="lt1"/>
+          </a:fontRef>
+        </p:style>
+        <p:txBody>
+          <a:bodyPr rtlCol="0" anchor="ctr"/>
+          <a:lstStyle/>
+          <a:p>
+            <a:pPr algn="ctr"/>
+            <a:r>
+              <a:rPr lang="en-US" b="1" u="sng" dirty="0" smtClean="0"/>
+              <a:t>Integration Request</a:t>
+            </a:r>
+          </a:p>
+          <a:p>
+            <a:pPr algn="ctr"/>
+            <a:r>
+              <a:rPr lang="en-US" dirty="0"/>
+              <a:t> Specifies HTTP:// </a:t>
+            </a:r>
+            <a:r>
+              <a:rPr lang="en-US" dirty="0" smtClean="0"/>
+              <a:t>for content</a:t>
+            </a:r>
+          </a:p>
+          <a:p>
+            <a:pPr algn="ctr"/>
+            <a:r>
+              <a:rPr lang="en-US" dirty="0"/>
+              <a:t>Passes </a:t>
+            </a:r>
+            <a:r>
+              <a:rPr lang="en-US" dirty="0" smtClean="0"/>
+              <a:t>to Specified </a:t>
+            </a:r>
+            <a:r>
+              <a:rPr lang="en-US" dirty="0"/>
+              <a:t>S3 Bucket</a:t>
+            </a:r>
+            <a:endParaRPr lang="en-US" dirty="0"/>
+          </a:p>
+        </p:txBody>
+      </p:sp>
+      <p:sp>
+        <p:nvSpPr>
+          <p:cNvPr id="33" name="Rounded Rectangle 32"/>
+          <p:cNvSpPr/>
+          <p:nvPr/>
+        </p:nvSpPr>
+        <p:spPr>
+          <a:xfrm>
+            <a:off x="3152780" y="3741874"/>
+            <a:ext cx="2723287" cy="585343"/>
+          </a:xfrm>
+          <a:prstGeom prst="roundRect">
+            <a:avLst/>
+          </a:prstGeom>
+          <a:solidFill>
+            <a:schemeClr val="tx1">
+              <a:lumMod val="65000"/>
+            </a:schemeClr>
+          </a:solidFill>
+        </p:spPr>
+        <p:style>
+          <a:lnRef idx="2">
+            <a:schemeClr val="accent1">
+              <a:shade val="50000"/>
+            </a:schemeClr>
+          </a:lnRef>
+          <a:fillRef idx="1">
+            <a:schemeClr val="accent1"/>
+          </a:fillRef>
+          <a:effectRef idx="0">
+            <a:schemeClr val="accent1"/>
+          </a:effectRef>
+          <a:fontRef idx="minor">
+            <a:schemeClr val="lt1"/>
+          </a:fontRef>
+        </p:style>
+        <p:txBody>
+          <a:bodyPr rtlCol="0" anchor="ctr"/>
+          <a:lstStyle/>
+          <a:p>
+            <a:pPr algn="ctr"/>
+            <a:r>
+              <a:rPr lang="en-US" b="1" u="sng" smtClean="0"/>
               <a:t>Method Request</a:t>
             </a:r>
+            <a:endParaRPr lang="en-US" b="1" u="sng" dirty="0" smtClean="0"/>
           </a:p>
           <a:p>
             <a:pPr algn="ctr"/>
             <a:r>
               <a:rPr lang="en-US" dirty="0" smtClean="0"/>
-              <a:t>Specifies HTTP:// Response in JSON Format</a:t>
-            </a:r>
-            <a:endParaRPr lang="en-US" dirty="0"/>
+              <a:t>GET Method to </a:t>
+            </a:r>
+            <a:r>
+              <a:rPr lang="en-US" dirty="0" smtClean="0"/>
+              <a:t>ARN</a:t>
+            </a:r>
+            <a:endParaRPr lang="en-US" dirty="0" smtClean="0"/>
+          </a:p>
+        </p:txBody>
+      </p:sp>
+      <p:sp>
+        <p:nvSpPr>
+          <p:cNvPr id="37" name="Curved Right Arrow 36"/>
+          <p:cNvSpPr/>
+          <p:nvPr/>
+        </p:nvSpPr>
+        <p:spPr>
+          <a:xfrm>
+            <a:off x="2328332" y="3047553"/>
+            <a:ext cx="651510" cy="605790"/>
+          </a:xfrm>
+          <a:prstGeom prst="curvedRightArrow">
+            <a:avLst/>
+          </a:prstGeom>
+        </p:spPr>
+        <p:style>
+          <a:lnRef idx="2">
+            <a:schemeClr val="accent1">
+              <a:shade val="50000"/>
+            </a:schemeClr>
+          </a:lnRef>
+          <a:fillRef idx="1">
+            <a:schemeClr val="accent1"/>
+          </a:fillRef>
+          <a:effectRef idx="0">
+            <a:schemeClr val="accent1"/>
+          </a:effectRef>
+          <a:fontRef idx="minor">
+            <a:schemeClr val="lt1"/>
+          </a:fontRef>
+        </p:style>
+        <p:txBody>
+          <a:bodyPr rtlCol="0" anchor="ctr"/>
+          <a:lstStyle/>
+          <a:p>
+            <a:pPr algn="ctr"/>
+            <a:endParaRPr lang="en-US">
+              <a:solidFill>
+                <a:schemeClr val="tx1"/>
+              </a:solidFill>
+            </a:endParaRPr>
+          </a:p>
+        </p:txBody>
+      </p:sp>
+      <p:sp>
+        <p:nvSpPr>
+          <p:cNvPr id="38" name="Curved Right Arrow 37"/>
+          <p:cNvSpPr/>
+          <p:nvPr/>
+        </p:nvSpPr>
+        <p:spPr>
+          <a:xfrm>
+            <a:off x="2353519" y="3987927"/>
+            <a:ext cx="651510" cy="605790"/>
+          </a:xfrm>
+          <a:prstGeom prst="curvedRightArrow">
+            <a:avLst/>
+          </a:prstGeom>
+        </p:spPr>
+        <p:style>
+          <a:lnRef idx="2">
+            <a:schemeClr val="accent1">
+              <a:shade val="50000"/>
+            </a:schemeClr>
+          </a:lnRef>
+          <a:fillRef idx="1">
+            <a:schemeClr val="accent1"/>
+          </a:fillRef>
+          <a:effectRef idx="0">
+            <a:schemeClr val="accent1"/>
+          </a:effectRef>
+          <a:fontRef idx="minor">
+            <a:schemeClr val="lt1"/>
+          </a:fontRef>
+        </p:style>
+        <p:txBody>
+          <a:bodyPr rtlCol="0" anchor="ctr"/>
+          <a:lstStyle/>
+          <a:p>
+            <a:pPr algn="ctr"/>
+            <a:endParaRPr lang="en-US">
+              <a:solidFill>
+                <a:schemeClr val="tx1"/>
+              </a:solidFill>
+            </a:endParaRPr>
+          </a:p>
+        </p:txBody>
+      </p:sp>
+      <p:sp>
+        <p:nvSpPr>
+          <p:cNvPr id="39" name="Striped Right Arrow 38"/>
+          <p:cNvSpPr/>
+          <p:nvPr/>
+        </p:nvSpPr>
+        <p:spPr>
+          <a:xfrm rot="5400000">
+            <a:off x="4212405" y="2404743"/>
+            <a:ext cx="597722" cy="324491"/>
+          </a:xfrm>
+          <a:prstGeom prst="stripedRightArrow">
+            <a:avLst/>
+          </a:prstGeom>
+        </p:spPr>
+        <p:style>
+          <a:lnRef idx="2">
+            <a:schemeClr val="accent1">
+              <a:shade val="50000"/>
+            </a:schemeClr>
+          </a:lnRef>
+          <a:fillRef idx="1">
+            <a:schemeClr val="accent1"/>
+          </a:fillRef>
+          <a:effectRef idx="0">
+            <a:schemeClr val="accent1"/>
+          </a:effectRef>
+          <a:fontRef idx="minor">
+            <a:schemeClr val="lt1"/>
+          </a:fontRef>
+        </p:style>
+        <p:txBody>
+          <a:bodyPr rtlCol="0" anchor="ctr"/>
+          <a:lstStyle/>
+          <a:p>
+            <a:pPr algn="ctr"/>
+            <a:endParaRPr lang="en-US"/>
+          </a:p>
+        </p:txBody>
+      </p:sp>
+      <p:sp>
+        <p:nvSpPr>
+          <p:cNvPr id="40" name="Striped Right Arrow 39"/>
+          <p:cNvSpPr/>
+          <p:nvPr/>
+        </p:nvSpPr>
+        <p:spPr>
+          <a:xfrm rot="9099722">
+            <a:off x="2490673" y="5219603"/>
+            <a:ext cx="597722" cy="324491"/>
+          </a:xfrm>
+          <a:prstGeom prst="stripedRightArrow">
+            <a:avLst/>
+          </a:prstGeom>
+        </p:spPr>
+        <p:style>
+          <a:lnRef idx="2">
+            <a:schemeClr val="accent1">
+              <a:shade val="50000"/>
+            </a:schemeClr>
+          </a:lnRef>
+          <a:fillRef idx="1">
+            <a:schemeClr val="accent1"/>
+          </a:fillRef>
+          <a:effectRef idx="0">
+            <a:schemeClr val="accent1"/>
+          </a:effectRef>
+          <a:fontRef idx="minor">
+            <a:schemeClr val="lt1"/>
+          </a:fontRef>
+        </p:style>
+        <p:txBody>
+          <a:bodyPr rtlCol="0" anchor="ctr"/>
+          <a:lstStyle/>
+          <a:p>
+            <a:pPr algn="ctr"/>
+            <a:endParaRPr lang="en-US"/>
+          </a:p>
+        </p:txBody>
+      </p:sp>
+      <p:sp>
+        <p:nvSpPr>
+          <p:cNvPr id="41" name="Striped Right Arrow 40"/>
+          <p:cNvSpPr/>
+          <p:nvPr/>
+        </p:nvSpPr>
+        <p:spPr>
+          <a:xfrm rot="2162426">
+            <a:off x="2505433" y="5963709"/>
+            <a:ext cx="597722" cy="324491"/>
+          </a:xfrm>
+          <a:prstGeom prst="stripedRightArrow">
+            <a:avLst/>
+          </a:prstGeom>
+        </p:spPr>
+        <p:style>
+          <a:lnRef idx="2">
+            <a:schemeClr val="accent1">
+              <a:shade val="50000"/>
+            </a:schemeClr>
+          </a:lnRef>
+          <a:fillRef idx="1">
+            <a:schemeClr val="accent1"/>
+          </a:fillRef>
+          <a:effectRef idx="0">
+            <a:schemeClr val="accent1"/>
+          </a:effectRef>
+          <a:fontRef idx="minor">
+            <a:schemeClr val="lt1"/>
+          </a:fontRef>
+        </p:style>
+        <p:txBody>
+          <a:bodyPr rtlCol="0" anchor="ctr"/>
+          <a:lstStyle/>
+          <a:p>
+            <a:pPr algn="ctr"/>
+            <a:endParaRPr lang="en-US"/>
+          </a:p>
+        </p:txBody>
+      </p:sp>
+      <p:sp>
+        <p:nvSpPr>
+          <p:cNvPr id="42" name="Rounded Rectangle 41"/>
+          <p:cNvSpPr/>
+          <p:nvPr/>
+        </p:nvSpPr>
+        <p:spPr>
+          <a:xfrm>
+            <a:off x="7745651" y="1632944"/>
+            <a:ext cx="3510820" cy="458416"/>
+          </a:xfrm>
+          <a:prstGeom prst="roundRect">
+            <a:avLst/>
+          </a:prstGeom>
+          <a:solidFill>
+            <a:schemeClr val="tx1">
+              <a:lumMod val="65000"/>
+            </a:schemeClr>
+          </a:solidFill>
+        </p:spPr>
+        <p:style>
+          <a:lnRef idx="2">
+            <a:schemeClr val="accent1">
+              <a:shade val="50000"/>
+            </a:schemeClr>
+          </a:lnRef>
+          <a:fillRef idx="1">
+            <a:schemeClr val="accent1"/>
+          </a:fillRef>
+          <a:effectRef idx="0">
+            <a:schemeClr val="accent1"/>
+          </a:effectRef>
+          <a:fontRef idx="minor">
+            <a:schemeClr val="lt1"/>
+          </a:fontRef>
+        </p:style>
+        <p:txBody>
+          <a:bodyPr rtlCol="0" anchor="ctr"/>
+          <a:lstStyle/>
+          <a:p>
+            <a:pPr algn="ctr"/>
+            <a:r>
+              <a:rPr lang="en-US" b="1" u="sng" dirty="0" smtClean="0"/>
+              <a:t>Client Response</a:t>
+            </a:r>
+            <a:endParaRPr lang="en-US" b="1" u="sng" dirty="0"/>
+          </a:p>
+        </p:txBody>
+      </p:sp>
+      <p:sp>
+        <p:nvSpPr>
+          <p:cNvPr id="43" name="Striped Right Arrow 42"/>
+          <p:cNvSpPr/>
+          <p:nvPr/>
+        </p:nvSpPr>
+        <p:spPr>
+          <a:xfrm rot="16200000">
+            <a:off x="9481696" y="4527791"/>
+            <a:ext cx="381147" cy="324491"/>
+          </a:xfrm>
+          <a:prstGeom prst="stripedRightArrow">
+            <a:avLst/>
+          </a:prstGeom>
+        </p:spPr>
+        <p:style>
+          <a:lnRef idx="2">
+            <a:schemeClr val="accent1">
+              <a:shade val="50000"/>
+            </a:schemeClr>
+          </a:lnRef>
+          <a:fillRef idx="1">
+            <a:schemeClr val="accent1"/>
+          </a:fillRef>
+          <a:effectRef idx="0">
+            <a:schemeClr val="accent1"/>
+          </a:effectRef>
+          <a:fontRef idx="minor">
+            <a:schemeClr val="lt1"/>
+          </a:fontRef>
+        </p:style>
+        <p:txBody>
+          <a:bodyPr rtlCol="0" anchor="ctr"/>
+          <a:lstStyle/>
+          <a:p>
+            <a:pPr algn="ctr"/>
+            <a:endParaRPr lang="en-US"/>
           </a:p>
         </p:txBody>
       </p:sp>
@@ -7069,7 +7622,6 @@
               <a:rPr lang="en-US" dirty="0" smtClean="0"/>
               <a:t>Decided on S3</a:t>
             </a:r>
-            <a:endParaRPr lang="en-US" dirty="0" smtClean="0"/>
           </a:p>
           <a:p>
             <a:r>

--- a/Doug Herd Project Presentation.pptx
+++ b/Doug Herd Project Presentation.pptx
@@ -6910,8 +6910,8 @@
         </p:nvSpPr>
         <p:spPr>
           <a:xfrm>
-            <a:off x="7840980" y="5912730"/>
-            <a:ext cx="1943101" cy="501865"/>
+            <a:off x="6840638" y="5912730"/>
+            <a:ext cx="2943443" cy="501865"/>
           </a:xfrm>
           <a:prstGeom prst="bentUpArrow">
             <a:avLst/>
@@ -7006,8 +7006,8 @@
         </p:nvSpPr>
         <p:spPr>
           <a:xfrm>
-            <a:off x="3096677" y="5948905"/>
-            <a:ext cx="4648974" cy="717630"/>
+            <a:off x="3129594" y="5787711"/>
+            <a:ext cx="3569433" cy="837679"/>
           </a:xfrm>
           <a:prstGeom prst="roundRect">
             <a:avLst/>
@@ -7049,11 +7049,7 @@
             <a:pPr algn="ctr"/>
             <a:r>
               <a:rPr lang="en-US" dirty="0" smtClean="0"/>
-              <a:t>Passes through HTTP:// to Method </a:t>
-            </a:r>
-            <a:r>
-              <a:rPr lang="en-US" dirty="0" err="1" smtClean="0"/>
-              <a:t>Repsonse</a:t>
+              <a:t>Passes through HTTP:// to Method Response</a:t>
             </a:r>
             <a:endParaRPr lang="en-US" dirty="0"/>
           </a:p>

--- a/Doug Herd Project Presentation.pptx
+++ b/Doug Herd Project Presentation.pptx
@@ -6704,8 +6704,8 @@
         </p:nvSpPr>
         <p:spPr>
           <a:xfrm>
-            <a:off x="2593610" y="1638904"/>
-            <a:ext cx="3510820" cy="476810"/>
+            <a:off x="3129594" y="1614550"/>
+            <a:ext cx="2740160" cy="476810"/>
           </a:xfrm>
           <a:prstGeom prst="roundRect">
             <a:avLst/>
@@ -6739,11 +6739,7 @@
             <a:pPr algn="ctr"/>
             <a:r>
               <a:rPr lang="en-US" b="1" u="sng" dirty="0" smtClean="0"/>
-              <a:t>Client </a:t>
-            </a:r>
-            <a:r>
-              <a:rPr lang="en-US" b="1" u="sng" dirty="0" smtClean="0"/>
-              <a:t>Request</a:t>
+              <a:t>Client Request</a:t>
             </a:r>
             <a:endParaRPr lang="en-US" b="1" u="sng" dirty="0"/>
           </a:p>
@@ -6792,11 +6788,7 @@
             <a:pPr algn="ctr"/>
             <a:r>
               <a:rPr lang="en-US" b="1" u="sng" dirty="0" smtClean="0"/>
-              <a:t>AWS API </a:t>
-            </a:r>
-            <a:r>
-              <a:rPr lang="en-US" b="1" u="sng" dirty="0" smtClean="0"/>
-              <a:t>GW URL</a:t>
+              <a:t>AWS API GW URL</a:t>
             </a:r>
           </a:p>
           <a:p>
@@ -6805,7 +6797,6 @@
               <a:rPr lang="en-US" dirty="0" smtClean="0"/>
               <a:t>“JSON RESUME AWS API</a:t>
             </a:r>
-            <a:endParaRPr lang="en-US" dirty="0" smtClean="0"/>
           </a:p>
         </p:txBody>
       </p:sp>
@@ -7043,7 +7034,6 @@
               <a:rPr lang="en-US" b="1" u="sng" dirty="0" smtClean="0"/>
               <a:t>Integration Response</a:t>
             </a:r>
-            <a:endParaRPr lang="en-US" b="1" u="sng" dirty="0" smtClean="0"/>
           </a:p>
           <a:p>
             <a:pPr algn="ctr"/>
@@ -7126,7 +7116,6 @@
               <a:rPr lang="en-US" dirty="0"/>
               <a:t>S3 Bucket</a:t>
             </a:r>
-            <a:endParaRPr lang="en-US" dirty="0"/>
           </a:p>
         </p:txBody>
       </p:sp>
@@ -7181,13 +7170,8 @@
             <a:pPr algn="ctr"/>
             <a:r>
               <a:rPr lang="en-US" dirty="0" smtClean="0"/>
-              <a:t>GET Method to </a:t>
-            </a:r>
-            <a:r>
-              <a:rPr lang="en-US" dirty="0" smtClean="0"/>
-              <a:t>ARN</a:t>
-            </a:r>
-            <a:endParaRPr lang="en-US" dirty="0" smtClean="0"/>
+              <a:t>GET Method to ARN</a:t>
+            </a:r>
           </a:p>
         </p:txBody>
       </p:sp>
@@ -7407,8 +7391,8 @@
         </p:nvSpPr>
         <p:spPr>
           <a:xfrm>
-            <a:off x="7745651" y="1632944"/>
-            <a:ext cx="3510820" cy="458416"/>
+            <a:off x="8309778" y="1626750"/>
+            <a:ext cx="2716974" cy="458416"/>
           </a:xfrm>
           <a:prstGeom prst="roundRect">
             <a:avLst/>
@@ -7755,7 +7739,31 @@
             <a:pPr lvl="1"/>
             <a:r>
               <a:rPr lang="en-US" dirty="0" smtClean="0"/>
-              <a:t>Alexa Open API’s</a:t>
+              <a:t>Alexa Open </a:t>
+            </a:r>
+            <a:r>
+              <a:rPr lang="en-US" dirty="0" smtClean="0"/>
+              <a:t>API’s</a:t>
+            </a:r>
+          </a:p>
+          <a:p>
+            <a:r>
+              <a:rPr lang="en-US" dirty="0" smtClean="0"/>
+              <a:t>Fun way to challenge and learn</a:t>
+            </a:r>
+          </a:p>
+          <a:p>
+            <a:pPr lvl="1"/>
+            <a:r>
+              <a:rPr lang="en-US" dirty="0" smtClean="0"/>
+              <a:t>Out of my comfort zone</a:t>
+            </a:r>
+          </a:p>
+          <a:p>
+            <a:pPr lvl="1"/>
+            <a:r>
+              <a:rPr lang="en-US" dirty="0" smtClean="0"/>
+              <a:t>Challenging</a:t>
             </a:r>
             <a:endParaRPr lang="en-US" dirty="0"/>
           </a:p>

--- a/Doug Herd Project Presentation.pptx
+++ b/Doug Herd Project Presentation.pptx
@@ -5,7 +5,7 @@
     <p:sldMasterId id="2147483648" r:id="rId1"/>
   </p:sldMasterIdLst>
   <p:notesMasterIdLst>
-    <p:notesMasterId r:id="rId11"/>
+    <p:notesMasterId r:id="rId12"/>
   </p:notesMasterIdLst>
   <p:sldIdLst>
     <p:sldId id="256" r:id="rId2"/>
@@ -17,6 +17,7 @@
     <p:sldId id="263" r:id="rId8"/>
     <p:sldId id="262" r:id="rId9"/>
     <p:sldId id="260" r:id="rId10"/>
+    <p:sldId id="265" r:id="rId11"/>
   </p:sldIdLst>
   <p:sldSz cx="12192000" cy="6858000"/>
   <p:notesSz cx="6858000" cy="9144000"/>
@@ -205,7 +206,7 @@
           <a:p>
             <a:fld id="{B131FC5D-FF3E-9944-89E6-6AB398E3C6D8}" type="datetimeFigureOut">
               <a:rPr lang="en-US" smtClean="0"/>
-              <a:t>6/15/17</a:t>
+              <a:t>6/20/17</a:t>
             </a:fld>
             <a:endParaRPr lang="en-US"/>
           </a:p>
@@ -669,7 +670,7 @@
           <a:p>
             <a:fld id="{ECD19FB2-3AAB-4D03-B13A-2960828C78E3}" type="datetimeFigureOut">
               <a:rPr lang="en-US" dirty="0"/>
-              <a:t>6/15/17</a:t>
+              <a:t>6/20/17</a:t>
             </a:fld>
             <a:endParaRPr lang="en-US" dirty="0"/>
           </a:p>
@@ -946,7 +947,7 @@
           <a:p>
             <a:fld id="{1B80C674-7DFC-42FE-B9CD-82963CDB1557}" type="datetimeFigureOut">
               <a:rPr lang="en-US" dirty="0"/>
-              <a:t>6/15/17</a:t>
+              <a:t>6/20/17</a:t>
             </a:fld>
             <a:endParaRPr lang="en-US" dirty="0"/>
           </a:p>
@@ -1133,7 +1134,7 @@
           <a:p>
             <a:fld id="{2076456F-F47D-4F25-8053-2A695DA0CA7D}" type="datetimeFigureOut">
               <a:rPr lang="en-US" dirty="0"/>
-              <a:t>6/15/17</a:t>
+              <a:t>6/20/17</a:t>
             </a:fld>
             <a:endParaRPr lang="en-US" dirty="0"/>
           </a:p>
@@ -1389,7 +1390,7 @@
           <a:p>
             <a:fld id="{5D6C7379-69CC-4837-9905-BEBA22830C8A}" type="datetimeFigureOut">
               <a:rPr lang="en-US" dirty="0"/>
-              <a:t>6/15/17</a:t>
+              <a:t>6/20/17</a:t>
             </a:fld>
             <a:endParaRPr lang="en-US" dirty="0"/>
           </a:p>
@@ -1810,7 +1811,7 @@
           <a:p>
             <a:fld id="{49EB8B7E-8AEE-4F10-BFEE-C999AD004D36}" type="datetimeFigureOut">
               <a:rPr lang="en-US" dirty="0"/>
-              <a:t>6/15/17</a:t>
+              <a:t>6/20/17</a:t>
             </a:fld>
             <a:endParaRPr lang="en-US" dirty="0"/>
           </a:p>
@@ -2351,7 +2352,7 @@
           <a:p>
             <a:fld id="{8668F3F9-58BC-440B-B37B-805B9055EF92}" type="datetimeFigureOut">
               <a:rPr lang="en-US" dirty="0"/>
-              <a:t>6/15/17</a:t>
+              <a:t>6/20/17</a:t>
             </a:fld>
             <a:endParaRPr lang="en-US" dirty="0"/>
           </a:p>
@@ -3177,7 +3178,7 @@
           <a:p>
             <a:fld id="{0D5A53AF-48EA-489D-8260-9DCAB666386A}" type="datetimeFigureOut">
               <a:rPr lang="en-US" dirty="0"/>
-              <a:t>6/15/17</a:t>
+              <a:t>6/20/17</a:t>
             </a:fld>
             <a:endParaRPr lang="en-US" dirty="0"/>
           </a:p>
@@ -3342,7 +3343,7 @@
           <a:p>
             <a:fld id="{0DED02AE-B9A4-47BD-AF8E-97E16144138B}" type="datetimeFigureOut">
               <a:rPr lang="en-US" dirty="0"/>
-              <a:t>6/15/17</a:t>
+              <a:t>6/20/17</a:t>
             </a:fld>
             <a:endParaRPr lang="en-US" dirty="0"/>
           </a:p>
@@ -3517,7 +3518,7 @@
           <a:p>
             <a:fld id="{CF0FD78B-DB02-4362-BCDC-98A55456977C}" type="datetimeFigureOut">
               <a:rPr lang="en-US" dirty="0"/>
-              <a:t>6/15/17</a:t>
+              <a:t>6/20/17</a:t>
             </a:fld>
             <a:endParaRPr lang="en-US" dirty="0"/>
           </a:p>
@@ -3682,7 +3683,7 @@
           <a:p>
             <a:fld id="{99916976-5D93-46E4-A98A-FAD63E4D0EA8}" type="datetimeFigureOut">
               <a:rPr lang="en-US" dirty="0"/>
-              <a:t>6/15/17</a:t>
+              <a:t>6/20/17</a:t>
             </a:fld>
             <a:endParaRPr lang="en-US" dirty="0"/>
           </a:p>
@@ -3934,7 +3935,7 @@
           <a:p>
             <a:fld id="{0F39F4F5-F4D2-4D2A-AB60-88D37ADCB869}" type="datetimeFigureOut">
               <a:rPr lang="en-US" dirty="0"/>
-              <a:t>6/15/17</a:t>
+              <a:t>6/20/17</a:t>
             </a:fld>
             <a:endParaRPr lang="en-US" dirty="0"/>
           </a:p>
@@ -4161,7 +4162,7 @@
           <a:p>
             <a:fld id="{D23BC6CE-6D1E-47E5-8859-F31AC5380EB2}" type="datetimeFigureOut">
               <a:rPr lang="en-US" dirty="0"/>
-              <a:t>6/15/17</a:t>
+              <a:t>6/20/17</a:t>
             </a:fld>
             <a:endParaRPr lang="en-US" dirty="0"/>
           </a:p>
@@ -4549,7 +4550,7 @@
           <a:p>
             <a:fld id="{B1B4E7C4-4DA4-404D-9965-B13F2DD7D8BF}" type="datetimeFigureOut">
               <a:rPr lang="en-US" dirty="0"/>
-              <a:t>6/15/17</a:t>
+              <a:t>6/20/17</a:t>
             </a:fld>
             <a:endParaRPr lang="en-US" dirty="0"/>
           </a:p>
@@ -4662,7 +4663,7 @@
           <a:p>
             <a:fld id="{476FB7AA-4A53-424F-AD41-70827B6504BA}" type="datetimeFigureOut">
               <a:rPr lang="en-US" dirty="0"/>
-              <a:t>6/15/17</a:t>
+              <a:t>6/20/17</a:t>
             </a:fld>
             <a:endParaRPr lang="en-US" dirty="0"/>
           </a:p>
@@ -4752,7 +4753,7 @@
           <a:p>
             <a:fld id="{E7884882-FB12-4BC8-9960-9AD8104D7FAE}" type="datetimeFigureOut">
               <a:rPr lang="en-US" dirty="0"/>
-              <a:t>6/15/17</a:t>
+              <a:t>6/20/17</a:t>
             </a:fld>
             <a:endParaRPr lang="en-US" dirty="0"/>
           </a:p>
@@ -5020,7 +5021,7 @@
           <a:p>
             <a:fld id="{F7D1BD23-6E54-4D9D-AD88-A2813C73CC25}" type="datetimeFigureOut">
               <a:rPr lang="en-US" dirty="0"/>
-              <a:t>6/15/17</a:t>
+              <a:t>6/20/17</a:t>
             </a:fld>
             <a:endParaRPr lang="en-US" dirty="0"/>
           </a:p>
@@ -5296,7 +5297,7 @@
           <a:p>
             <a:fld id="{1471A834-4F3C-4AF9-9C74-05EC35A0F292}" type="datetimeFigureOut">
               <a:rPr lang="en-US" dirty="0"/>
-              <a:t>6/15/17</a:t>
+              <a:t>6/20/17</a:t>
             </a:fld>
             <a:endParaRPr lang="en-US" dirty="0"/>
           </a:p>
@@ -5531,7 +5532,7 @@
           <a:p>
             <a:fld id="{51CF1133-3259-4C45-BABA-5B62D9C6F78D}" type="datetimeFigureOut">
               <a:rPr lang="en-US" dirty="0"/>
-              <a:t>6/15/17</a:t>
+              <a:t>6/20/17</a:t>
             </a:fld>
             <a:endParaRPr lang="en-US" dirty="0"/>
           </a:p>
@@ -6214,6 +6215,148 @@
 </p:sld>
 </file>
 
+<file path=ppt/slides/slide10.xml><?xml version="1.0" encoding="utf-8"?>
+<p:sld xmlns:a="http://schemas.openxmlformats.org/drawingml/2006/main" xmlns:r="http://schemas.openxmlformats.org/officeDocument/2006/relationships" xmlns:p="http://schemas.openxmlformats.org/presentationml/2006/main" show="0">
+  <p:cSld>
+    <p:spTree>
+      <p:nvGrpSpPr>
+        <p:cNvPr id="1" name=""/>
+        <p:cNvGrpSpPr/>
+        <p:nvPr/>
+      </p:nvGrpSpPr>
+      <p:grpSpPr>
+        <a:xfrm>
+          <a:off x="0" y="0"/>
+          <a:ext cx="0" cy="0"/>
+          <a:chOff x="0" y="0"/>
+          <a:chExt cx="0" cy="0"/>
+        </a:xfrm>
+      </p:grpSpPr>
+      <p:pic>
+        <p:nvPicPr>
+          <p:cNvPr id="1026" name="Picture 2" descr="ttps://cbi-blog.s3.amazonaws.com/blog/wp-content/uploads/2017/01/Unicorns-2016-recap-cover-photo.jpg"/>
+          <p:cNvPicPr>
+            <a:picLocks noChangeAspect="1" noChangeArrowheads="1"/>
+          </p:cNvPicPr>
+          <p:nvPr/>
+        </p:nvPicPr>
+        <p:blipFill rotWithShape="1">
+          <a:blip r:embed="rId2">
+            <a:alphaModFix amt="16000"/>
+            <a:extLst>
+              <a:ext uri="{28A0092B-C50C-407E-A947-70E740481C1C}">
+                <a14:useLocalDpi xmlns:a14="http://schemas.microsoft.com/office/drawing/2010/main" val="0"/>
+              </a:ext>
+            </a:extLst>
+          </a:blip>
+          <a:srcRect l="2" r="16623"/>
+          <a:stretch/>
+        </p:blipFill>
+        <p:spPr bwMode="auto">
+          <a:xfrm>
+            <a:off x="0" y="0"/>
+            <a:ext cx="12161520" cy="6858000"/>
+          </a:xfrm>
+          <a:prstGeom prst="rect">
+            <a:avLst/>
+          </a:prstGeom>
+          <a:noFill/>
+          <a:extLst>
+            <a:ext uri="{909E8E84-426E-40DD-AFC4-6F175D3DCCD1}">
+              <a14:hiddenFill xmlns:a14="http://schemas.microsoft.com/office/drawing/2010/main">
+                <a:solidFill>
+                  <a:srgbClr val="FFFFFF"/>
+                </a:solidFill>
+              </a14:hiddenFill>
+            </a:ext>
+          </a:extLst>
+        </p:spPr>
+      </p:pic>
+      <p:sp>
+        <p:nvSpPr>
+          <p:cNvPr id="3" name="Subtitle 2"/>
+          <p:cNvSpPr>
+            <a:spLocks noGrp="1"/>
+          </p:cNvSpPr>
+          <p:nvPr>
+            <p:ph type="subTitle" idx="1"/>
+          </p:nvPr>
+        </p:nvSpPr>
+        <p:spPr>
+          <a:xfrm>
+            <a:off x="2649638" y="5867401"/>
+            <a:ext cx="9144000" cy="754025"/>
+          </a:xfrm>
+        </p:spPr>
+        <p:txBody>
+          <a:bodyPr/>
+          <a:lstStyle/>
+          <a:p>
+            <a:r>
+              <a:rPr lang="en-US" dirty="0" smtClean="0"/>
+              <a:t>Doug Herd – SE Candidate</a:t>
+            </a:r>
+            <a:endParaRPr lang="en-US" dirty="0"/>
+          </a:p>
+        </p:txBody>
+      </p:sp>
+      <p:sp>
+        <p:nvSpPr>
+          <p:cNvPr id="2" name="Title 1"/>
+          <p:cNvSpPr>
+            <a:spLocks noGrp="1"/>
+          </p:cNvSpPr>
+          <p:nvPr>
+            <p:ph type="ctrTitle"/>
+          </p:nvPr>
+        </p:nvSpPr>
+        <p:spPr>
+          <a:xfrm>
+            <a:off x="1524000" y="297142"/>
+            <a:ext cx="9144000" cy="1641490"/>
+          </a:xfrm>
+        </p:spPr>
+        <p:txBody>
+          <a:bodyPr/>
+          <a:lstStyle/>
+          <a:p>
+            <a:pPr algn="ctr"/>
+            <a:r>
+              <a:rPr lang="en-US" dirty="0" smtClean="0"/>
+              <a:t>Thank you</a:t>
+            </a:r>
+            <a:endParaRPr lang="en-US" dirty="0"/>
+          </a:p>
+        </p:txBody>
+      </p:sp>
+    </p:spTree>
+    <p:extLst>
+      <p:ext uri="{BB962C8B-B14F-4D97-AF65-F5344CB8AC3E}">
+        <p14:creationId xmlns:p14="http://schemas.microsoft.com/office/powerpoint/2010/main" val="1426610240"/>
+      </p:ext>
+    </p:extLst>
+  </p:cSld>
+  <p:clrMapOvr>
+    <a:masterClrMapping/>
+  </p:clrMapOvr>
+  <mc:AlternateContent xmlns:mc="http://schemas.openxmlformats.org/markup-compatibility/2006">
+    <mc:Choice xmlns:p14="http://schemas.microsoft.com/office/powerpoint/2010/main" Requires="p14">
+      <p:transition spd="slow" p14:dur="2000"/>
+    </mc:Choice>
+    <mc:Fallback>
+      <p:transition spd="slow"/>
+    </mc:Fallback>
+  </mc:AlternateContent>
+  <p:timing>
+    <p:tnLst>
+      <p:par>
+        <p:cTn id="1" dur="indefinite" restart="never" nodeType="tmRoot"/>
+      </p:par>
+    </p:tnLst>
+  </p:timing>
+</p:sld>
+</file>
+
 <file path=ppt/slides/slide2.xml><?xml version="1.0" encoding="utf-8"?>
 <p:sld xmlns:a="http://schemas.openxmlformats.org/drawingml/2006/main" xmlns:r="http://schemas.openxmlformats.org/officeDocument/2006/relationships" xmlns:p="http://schemas.openxmlformats.org/presentationml/2006/main">
   <p:cSld>
@@ -6456,6 +6599,10 @@
           <a:bodyPr/>
           <a:lstStyle/>
           <a:p>
+            <a:r>
+              <a:rPr lang="en-US" dirty="0" smtClean="0"/>
+              <a:t>Plan Of Attack</a:t>
+            </a:r>
             <a:endParaRPr lang="en-US" dirty="0"/>
           </a:p>
         </p:txBody>
@@ -6470,26 +6617,102 @@
             <p:ph idx="1"/>
           </p:nvPr>
         </p:nvSpPr>
-        <p:spPr/>
-        <p:txBody>
-          <a:bodyPr/>
+        <p:spPr>
+          <a:xfrm>
+            <a:off x="1120000" y="1825624"/>
+            <a:ext cx="10233800" cy="4712961"/>
+          </a:xfrm>
+        </p:spPr>
+        <p:txBody>
+          <a:bodyPr>
+            <a:normAutofit lnSpcReduction="10000"/>
+          </a:bodyPr>
           <a:lstStyle/>
           <a:p>
             <a:r>
               <a:rPr lang="en-US" dirty="0" smtClean="0"/>
-              <a:t>AWS API Gateway</a:t>
-            </a:r>
-          </a:p>
-          <a:p>
+              <a:t>AWS API </a:t>
+            </a:r>
             <a:r>
               <a:rPr lang="en-US" dirty="0" smtClean="0"/>
-              <a:t>JSON Resume</a:t>
-            </a:r>
-          </a:p>
-          <a:p>
+              <a:t>Gateway</a:t>
+            </a:r>
+          </a:p>
+          <a:p>
+            <a:pPr lvl="1"/>
             <a:r>
               <a:rPr lang="en-US" dirty="0" smtClean="0"/>
-              <a:t>S3 Bucket</a:t>
+              <a:t>Largest cloud provider</a:t>
+            </a:r>
+          </a:p>
+          <a:p>
+            <a:pPr lvl="1"/>
+            <a:r>
+              <a:rPr lang="en-US" dirty="0" smtClean="0"/>
+              <a:t>Full product suite</a:t>
+            </a:r>
+          </a:p>
+          <a:p>
+            <a:pPr lvl="1"/>
+            <a:r>
+              <a:rPr lang="en-US" dirty="0" smtClean="0"/>
+              <a:t>Lots of potential for post project learning</a:t>
+            </a:r>
+            <a:endParaRPr lang="en-US" dirty="0" smtClean="0"/>
+          </a:p>
+          <a:p>
+            <a:r>
+              <a:rPr lang="en-US" dirty="0" smtClean="0"/>
+              <a:t>JSON </a:t>
+            </a:r>
+            <a:r>
+              <a:rPr lang="en-US" dirty="0" smtClean="0"/>
+              <a:t>Resume</a:t>
+            </a:r>
+          </a:p>
+          <a:p>
+            <a:pPr lvl="1"/>
+            <a:r>
+              <a:rPr lang="en-US" dirty="0" smtClean="0"/>
+              <a:t>Lots of customization </a:t>
+            </a:r>
+          </a:p>
+          <a:p>
+            <a:pPr lvl="1"/>
+            <a:r>
+              <a:rPr lang="en-US" dirty="0" smtClean="0"/>
+              <a:t>Arrays vs. Objects, how to display them</a:t>
+            </a:r>
+            <a:endParaRPr lang="en-US" dirty="0" smtClean="0"/>
+          </a:p>
+          <a:p>
+            <a:r>
+              <a:rPr lang="en-US" dirty="0" smtClean="0"/>
+              <a:t>S3 </a:t>
+            </a:r>
+            <a:r>
+              <a:rPr lang="en-US" dirty="0" smtClean="0"/>
+              <a:t>Bucket for content</a:t>
+            </a:r>
+          </a:p>
+          <a:p>
+            <a:pPr lvl="1"/>
+            <a:r>
+              <a:rPr lang="en-US" dirty="0" smtClean="0"/>
+              <a:t>Easy integration to AWS stack / AWS API</a:t>
+            </a:r>
+          </a:p>
+          <a:p>
+            <a:r>
+              <a:rPr lang="en-US" dirty="0" smtClean="0"/>
+              <a:t>GitHub</a:t>
+            </a:r>
+          </a:p>
+          <a:p>
+            <a:pPr lvl="1"/>
+            <a:r>
+              <a:rPr lang="en-US" dirty="0" smtClean="0"/>
+              <a:t>Standard for code drop / project requirement</a:t>
             </a:r>
             <a:endParaRPr lang="en-US" dirty="0"/>
           </a:p>
@@ -6565,9 +6788,16 @@
             <p:ph idx="1"/>
           </p:nvPr>
         </p:nvSpPr>
-        <p:spPr/>
-        <p:txBody>
-          <a:bodyPr/>
+        <p:spPr>
+          <a:xfrm>
+            <a:off x="1120000" y="1825625"/>
+            <a:ext cx="10233800" cy="4825696"/>
+          </a:xfrm>
+        </p:spPr>
+        <p:txBody>
+          <a:bodyPr>
+            <a:normAutofit/>
+          </a:bodyPr>
           <a:lstStyle/>
           <a:p>
             <a:pPr marL="514350" indent="-514350">
@@ -6630,7 +6860,45 @@
             <a:pPr lvl="1"/>
             <a:r>
               <a:rPr lang="en-US" dirty="0" smtClean="0"/>
-              <a:t>AWS – Biggest Cloud Provider in the Industry</a:t>
+              <a:t>AWS – Biggest Cloud Provider in the </a:t>
+            </a:r>
+            <a:r>
+              <a:rPr lang="en-US" dirty="0" smtClean="0"/>
+              <a:t>Industry</a:t>
+            </a:r>
+          </a:p>
+          <a:p>
+            <a:pPr lvl="1"/>
+            <a:r>
+              <a:rPr lang="en-US" dirty="0" smtClean="0"/>
+              <a:t>Utilize S3 Bucket for content storage</a:t>
+            </a:r>
+          </a:p>
+          <a:p>
+            <a:pPr marL="514350" indent="-514350">
+              <a:buFont typeface="+mj-lt"/>
+              <a:buAutoNum type="arabicPeriod"/>
+            </a:pPr>
+            <a:r>
+              <a:rPr lang="en-US" dirty="0" smtClean="0"/>
+              <a:t>Testing / Making Changes</a:t>
+            </a:r>
+          </a:p>
+          <a:p>
+            <a:pPr lvl="1"/>
+            <a:r>
+              <a:rPr lang="en-US" dirty="0" smtClean="0"/>
+              <a:t>Modifying Objects / Testing different layouts</a:t>
+            </a:r>
+          </a:p>
+          <a:p>
+            <a:pPr marL="514350" indent="-514350">
+              <a:buFont typeface="+mj-lt"/>
+              <a:buAutoNum type="arabicPeriod"/>
+            </a:pPr>
+            <a:r>
+              <a:rPr lang="en-US" dirty="0" smtClean="0"/>
+              <a:t>Send up to GitHub</a:t>
             </a:r>
             <a:endParaRPr lang="en-US" dirty="0"/>
           </a:p>
@@ -6675,6 +6943,46 @@
       </p:grpSpPr>
       <p:sp>
         <p:nvSpPr>
+          <p:cNvPr id="3" name="Rounded Rectangle 2"/>
+          <p:cNvSpPr/>
+          <p:nvPr/>
+        </p:nvSpPr>
+        <p:spPr>
+          <a:xfrm>
+            <a:off x="2979842" y="1423173"/>
+            <a:ext cx="8205766" cy="747449"/>
+          </a:xfrm>
+          <a:prstGeom prst="roundRect">
+            <a:avLst/>
+          </a:prstGeom>
+        </p:spPr>
+        <p:style>
+          <a:lnRef idx="2">
+            <a:schemeClr val="accent1">
+              <a:shade val="50000"/>
+            </a:schemeClr>
+          </a:lnRef>
+          <a:fillRef idx="1">
+            <a:schemeClr val="accent1"/>
+          </a:fillRef>
+          <a:effectRef idx="0">
+            <a:schemeClr val="accent1"/>
+          </a:effectRef>
+          <a:fontRef idx="minor">
+            <a:schemeClr val="lt1"/>
+          </a:fontRef>
+        </p:style>
+        <p:txBody>
+          <a:bodyPr rtlCol="0" anchor="ctr"/>
+          <a:lstStyle/>
+          <a:p>
+            <a:pPr algn="ctr"/>
+            <a:endParaRPr lang="en-US"/>
+          </a:p>
+        </p:txBody>
+      </p:sp>
+      <p:sp>
+        <p:nvSpPr>
           <p:cNvPr id="2" name="Title 1"/>
           <p:cNvSpPr>
             <a:spLocks noGrp="1"/>
@@ -6704,7 +7012,7 @@
         </p:nvSpPr>
         <p:spPr>
           <a:xfrm>
-            <a:off x="3129594" y="1614550"/>
+            <a:off x="3129594" y="1553467"/>
             <a:ext cx="2740160" cy="476810"/>
           </a:xfrm>
           <a:prstGeom prst="roundRect">
@@ -6885,7 +7193,7 @@
         </p:blipFill>
         <p:spPr>
           <a:xfrm>
-            <a:off x="8513165" y="2263098"/>
+            <a:off x="8488113" y="2268127"/>
             <a:ext cx="2318213" cy="2143889"/>
           </a:xfrm>
           <a:prstGeom prst="rect">
@@ -7391,7 +7699,7 @@
         </p:nvSpPr>
         <p:spPr>
           <a:xfrm>
-            <a:off x="8309778" y="1626750"/>
+            <a:off x="8309778" y="1565667"/>
             <a:ext cx="2716974" cy="458416"/>
           </a:xfrm>
           <a:prstGeom prst="roundRect">
@@ -7698,9 +8006,16 @@
             <p:ph idx="1"/>
           </p:nvPr>
         </p:nvSpPr>
-        <p:spPr/>
-        <p:txBody>
-          <a:bodyPr/>
+        <p:spPr>
+          <a:xfrm>
+            <a:off x="1120000" y="1690688"/>
+            <a:ext cx="10233800" cy="5060841"/>
+          </a:xfrm>
+        </p:spPr>
+        <p:txBody>
+          <a:bodyPr>
+            <a:normAutofit fontScale="92500" lnSpcReduction="10000"/>
+          </a:bodyPr>
           <a:lstStyle/>
           <a:p>
             <a:r>
@@ -7724,26 +8039,52 @@
           <a:p>
             <a:pPr lvl="1"/>
             <a:r>
-              <a:rPr lang="en-US" dirty="0" err="1" smtClean="0"/>
-              <a:t>Asl;kdfj</a:t>
+              <a:rPr lang="en-US" dirty="0" smtClean="0"/>
+              <a:t>Bigger data sets can show possible trends</a:t>
             </a:r>
             <a:endParaRPr lang="en-US" dirty="0" smtClean="0"/>
           </a:p>
           <a:p>
             <a:r>
               <a:rPr lang="en-US" dirty="0" smtClean="0"/>
-              <a:t>Digging into AWS offerings is interesting</a:t>
-            </a:r>
+              <a:t>Digging into AWS offerings is </a:t>
+            </a:r>
+            <a:r>
+              <a:rPr lang="en-US" dirty="0" smtClean="0"/>
+              <a:t>interesting – moving forward….  </a:t>
+            </a:r>
+            <a:endParaRPr lang="en-US" dirty="0" smtClean="0"/>
           </a:p>
           <a:p>
             <a:pPr lvl="1"/>
             <a:r>
               <a:rPr lang="en-US" dirty="0" smtClean="0"/>
-              <a:t>Alexa Open </a:t>
-            </a:r>
+              <a:t>Route 53 Options</a:t>
+            </a:r>
+          </a:p>
+          <a:p>
+            <a:pPr lvl="1"/>
             <a:r>
               <a:rPr lang="en-US" dirty="0" smtClean="0"/>
-              <a:t>API’s</a:t>
+              <a:t>More potential using Lambda</a:t>
+            </a:r>
+          </a:p>
+          <a:p>
+            <a:pPr lvl="1"/>
+            <a:r>
+              <a:rPr lang="en-US" dirty="0" smtClean="0"/>
+              <a:t>Pull from outside feeds</a:t>
+            </a:r>
+          </a:p>
+          <a:p>
+            <a:pPr lvl="1"/>
+            <a:r>
+              <a:rPr lang="en-US" dirty="0" smtClean="0"/>
+              <a:t>Alexa </a:t>
+            </a:r>
+            <a:r>
+              <a:rPr lang="en-US" dirty="0" smtClean="0"/>
+              <a:t>Open API’s</a:t>
             </a:r>
           </a:p>
           <a:p>
@@ -7764,6 +8105,13 @@
             <a:r>
               <a:rPr lang="en-US" dirty="0" smtClean="0"/>
               <a:t>Challenging</a:t>
+            </a:r>
+          </a:p>
+          <a:p>
+            <a:pPr lvl="1"/>
+            <a:r>
+              <a:rPr lang="en-US" dirty="0" smtClean="0"/>
+              <a:t>Interesting</a:t>
             </a:r>
             <a:endParaRPr lang="en-US" dirty="0"/>
           </a:p>

--- a/Doug Herd Project Presentation.pptx
+++ b/Doug Herd Project Presentation.pptx
@@ -6631,11 +6631,7 @@
           <a:p>
             <a:r>
               <a:rPr lang="en-US" dirty="0" smtClean="0"/>
-              <a:t>AWS API </a:t>
-            </a:r>
-            <a:r>
-              <a:rPr lang="en-US" dirty="0" smtClean="0"/>
-              <a:t>Gateway</a:t>
+              <a:t>AWS API Gateway</a:t>
             </a:r>
           </a:p>
           <a:p>
@@ -6658,16 +6654,11 @@
               <a:rPr lang="en-US" dirty="0" smtClean="0"/>
               <a:t>Lots of potential for post project learning</a:t>
             </a:r>
-            <a:endParaRPr lang="en-US" dirty="0" smtClean="0"/>
           </a:p>
           <a:p>
             <a:r>
               <a:rPr lang="en-US" dirty="0" smtClean="0"/>
-              <a:t>JSON </a:t>
-            </a:r>
-            <a:r>
-              <a:rPr lang="en-US" dirty="0" smtClean="0"/>
-              <a:t>Resume</a:t>
+              <a:t>JSON Resume</a:t>
             </a:r>
           </a:p>
           <a:p>
@@ -6683,16 +6674,11 @@
               <a:rPr lang="en-US" dirty="0" smtClean="0"/>
               <a:t>Arrays vs. Objects, how to display them</a:t>
             </a:r>
-            <a:endParaRPr lang="en-US" dirty="0" smtClean="0"/>
           </a:p>
           <a:p>
             <a:r>
               <a:rPr lang="en-US" dirty="0" smtClean="0"/>
-              <a:t>S3 </a:t>
-            </a:r>
-            <a:r>
-              <a:rPr lang="en-US" dirty="0" smtClean="0"/>
-              <a:t>Bucket for content</a:t>
+              <a:t>S3 Bucket for content</a:t>
             </a:r>
           </a:p>
           <a:p>
@@ -6813,7 +6799,15 @@
             <a:pPr lvl="1"/>
             <a:r>
               <a:rPr lang="en-US" dirty="0" smtClean="0"/>
-              <a:t>Google / YouTube / w3Schools Online / </a:t>
+              <a:t>Google / YouTube / </a:t>
+            </a:r>
+            <a:r>
+              <a:rPr lang="en-US" dirty="0" smtClean="0"/>
+              <a:t>w3Schools </a:t>
+            </a:r>
+            <a:r>
+              <a:rPr lang="en-US" dirty="0" smtClean="0"/>
+              <a:t>Online / </a:t>
             </a:r>
             <a:r>
               <a:rPr lang="en-US" dirty="0" err="1" smtClean="0"/>
@@ -6860,11 +6854,7 @@
             <a:pPr lvl="1"/>
             <a:r>
               <a:rPr lang="en-US" dirty="0" smtClean="0"/>
-              <a:t>AWS – Biggest Cloud Provider in the </a:t>
-            </a:r>
-            <a:r>
-              <a:rPr lang="en-US" dirty="0" smtClean="0"/>
-              <a:t>Industry</a:t>
+              <a:t>AWS – Biggest Cloud Provider in the Industry</a:t>
             </a:r>
           </a:p>
           <a:p>
@@ -7908,7 +7898,11 @@
             <a:pPr lvl="1"/>
             <a:r>
               <a:rPr lang="en-US" dirty="0" smtClean="0"/>
-              <a:t>Decided on S3</a:t>
+              <a:t>Attempted to use OneDrive / Decided </a:t>
+            </a:r>
+            <a:r>
+              <a:rPr lang="en-US" dirty="0" smtClean="0"/>
+              <a:t>on S3</a:t>
             </a:r>
           </a:p>
           <a:p>
@@ -8042,18 +8036,12 @@
               <a:rPr lang="en-US" dirty="0" smtClean="0"/>
               <a:t>Bigger data sets can show possible trends</a:t>
             </a:r>
-            <a:endParaRPr lang="en-US" dirty="0" smtClean="0"/>
           </a:p>
           <a:p>
             <a:r>
               <a:rPr lang="en-US" dirty="0" smtClean="0"/>
-              <a:t>Digging into AWS offerings is </a:t>
-            </a:r>
-            <a:r>
-              <a:rPr lang="en-US" dirty="0" smtClean="0"/>
-              <a:t>interesting – moving forward….  </a:t>
-            </a:r>
-            <a:endParaRPr lang="en-US" dirty="0" smtClean="0"/>
+              <a:t>Digging into AWS offerings is interesting – moving forward….  </a:t>
+            </a:r>
           </a:p>
           <a:p>
             <a:pPr lvl="1"/>
@@ -8080,11 +8068,7 @@
             <a:pPr lvl="1"/>
             <a:r>
               <a:rPr lang="en-US" dirty="0" smtClean="0"/>
-              <a:t>Alexa </a:t>
-            </a:r>
-            <a:r>
-              <a:rPr lang="en-US" dirty="0" smtClean="0"/>
-              <a:t>Open API’s</a:t>
+              <a:t>Alexa Open API’s</a:t>
             </a:r>
           </a:p>
           <a:p>

--- a/Doug Herd Project Presentation.pptx
+++ b/Doug Herd Project Presentation.pptx
@@ -206,7 +206,7 @@
           <a:p>
             <a:fld id="{B131FC5D-FF3E-9944-89E6-6AB398E3C6D8}" type="datetimeFigureOut">
               <a:rPr lang="en-US" smtClean="0"/>
-              <a:t>6/20/17</a:t>
+              <a:t>6/21/17</a:t>
             </a:fld>
             <a:endParaRPr lang="en-US"/>
           </a:p>
@@ -670,7 +670,7 @@
           <a:p>
             <a:fld id="{ECD19FB2-3AAB-4D03-B13A-2960828C78E3}" type="datetimeFigureOut">
               <a:rPr lang="en-US" dirty="0"/>
-              <a:t>6/20/17</a:t>
+              <a:t>6/21/17</a:t>
             </a:fld>
             <a:endParaRPr lang="en-US" dirty="0"/>
           </a:p>
@@ -947,7 +947,7 @@
           <a:p>
             <a:fld id="{1B80C674-7DFC-42FE-B9CD-82963CDB1557}" type="datetimeFigureOut">
               <a:rPr lang="en-US" dirty="0"/>
-              <a:t>6/20/17</a:t>
+              <a:t>6/21/17</a:t>
             </a:fld>
             <a:endParaRPr lang="en-US" dirty="0"/>
           </a:p>
@@ -1134,7 +1134,7 @@
           <a:p>
             <a:fld id="{2076456F-F47D-4F25-8053-2A695DA0CA7D}" type="datetimeFigureOut">
               <a:rPr lang="en-US" dirty="0"/>
-              <a:t>6/20/17</a:t>
+              <a:t>6/21/17</a:t>
             </a:fld>
             <a:endParaRPr lang="en-US" dirty="0"/>
           </a:p>
@@ -1390,7 +1390,7 @@
           <a:p>
             <a:fld id="{5D6C7379-69CC-4837-9905-BEBA22830C8A}" type="datetimeFigureOut">
               <a:rPr lang="en-US" dirty="0"/>
-              <a:t>6/20/17</a:t>
+              <a:t>6/21/17</a:t>
             </a:fld>
             <a:endParaRPr lang="en-US" dirty="0"/>
           </a:p>
@@ -1811,7 +1811,7 @@
           <a:p>
             <a:fld id="{49EB8B7E-8AEE-4F10-BFEE-C999AD004D36}" type="datetimeFigureOut">
               <a:rPr lang="en-US" dirty="0"/>
-              <a:t>6/20/17</a:t>
+              <a:t>6/21/17</a:t>
             </a:fld>
             <a:endParaRPr lang="en-US" dirty="0"/>
           </a:p>
@@ -2352,7 +2352,7 @@
           <a:p>
             <a:fld id="{8668F3F9-58BC-440B-B37B-805B9055EF92}" type="datetimeFigureOut">
               <a:rPr lang="en-US" dirty="0"/>
-              <a:t>6/20/17</a:t>
+              <a:t>6/21/17</a:t>
             </a:fld>
             <a:endParaRPr lang="en-US" dirty="0"/>
           </a:p>
@@ -3178,7 +3178,7 @@
           <a:p>
             <a:fld id="{0D5A53AF-48EA-489D-8260-9DCAB666386A}" type="datetimeFigureOut">
               <a:rPr lang="en-US" dirty="0"/>
-              <a:t>6/20/17</a:t>
+              <a:t>6/21/17</a:t>
             </a:fld>
             <a:endParaRPr lang="en-US" dirty="0"/>
           </a:p>
@@ -3343,7 +3343,7 @@
           <a:p>
             <a:fld id="{0DED02AE-B9A4-47BD-AF8E-97E16144138B}" type="datetimeFigureOut">
               <a:rPr lang="en-US" dirty="0"/>
-              <a:t>6/20/17</a:t>
+              <a:t>6/21/17</a:t>
             </a:fld>
             <a:endParaRPr lang="en-US" dirty="0"/>
           </a:p>
@@ -3518,7 +3518,7 @@
           <a:p>
             <a:fld id="{CF0FD78B-DB02-4362-BCDC-98A55456977C}" type="datetimeFigureOut">
               <a:rPr lang="en-US" dirty="0"/>
-              <a:t>6/20/17</a:t>
+              <a:t>6/21/17</a:t>
             </a:fld>
             <a:endParaRPr lang="en-US" dirty="0"/>
           </a:p>
@@ -3683,7 +3683,7 @@
           <a:p>
             <a:fld id="{99916976-5D93-46E4-A98A-FAD63E4D0EA8}" type="datetimeFigureOut">
               <a:rPr lang="en-US" dirty="0"/>
-              <a:t>6/20/17</a:t>
+              <a:t>6/21/17</a:t>
             </a:fld>
             <a:endParaRPr lang="en-US" dirty="0"/>
           </a:p>
@@ -3935,7 +3935,7 @@
           <a:p>
             <a:fld id="{0F39F4F5-F4D2-4D2A-AB60-88D37ADCB869}" type="datetimeFigureOut">
               <a:rPr lang="en-US" dirty="0"/>
-              <a:t>6/20/17</a:t>
+              <a:t>6/21/17</a:t>
             </a:fld>
             <a:endParaRPr lang="en-US" dirty="0"/>
           </a:p>
@@ -4162,7 +4162,7 @@
           <a:p>
             <a:fld id="{D23BC6CE-6D1E-47E5-8859-F31AC5380EB2}" type="datetimeFigureOut">
               <a:rPr lang="en-US" dirty="0"/>
-              <a:t>6/20/17</a:t>
+              <a:t>6/21/17</a:t>
             </a:fld>
             <a:endParaRPr lang="en-US" dirty="0"/>
           </a:p>
@@ -4550,7 +4550,7 @@
           <a:p>
             <a:fld id="{B1B4E7C4-4DA4-404D-9965-B13F2DD7D8BF}" type="datetimeFigureOut">
               <a:rPr lang="en-US" dirty="0"/>
-              <a:t>6/20/17</a:t>
+              <a:t>6/21/17</a:t>
             </a:fld>
             <a:endParaRPr lang="en-US" dirty="0"/>
           </a:p>
@@ -4663,7 +4663,7 @@
           <a:p>
             <a:fld id="{476FB7AA-4A53-424F-AD41-70827B6504BA}" type="datetimeFigureOut">
               <a:rPr lang="en-US" dirty="0"/>
-              <a:t>6/20/17</a:t>
+              <a:t>6/21/17</a:t>
             </a:fld>
             <a:endParaRPr lang="en-US" dirty="0"/>
           </a:p>
@@ -4753,7 +4753,7 @@
           <a:p>
             <a:fld id="{E7884882-FB12-4BC8-9960-9AD8104D7FAE}" type="datetimeFigureOut">
               <a:rPr lang="en-US" dirty="0"/>
-              <a:t>6/20/17</a:t>
+              <a:t>6/21/17</a:t>
             </a:fld>
             <a:endParaRPr lang="en-US" dirty="0"/>
           </a:p>
@@ -5021,7 +5021,7 @@
           <a:p>
             <a:fld id="{F7D1BD23-6E54-4D9D-AD88-A2813C73CC25}" type="datetimeFigureOut">
               <a:rPr lang="en-US" dirty="0"/>
-              <a:t>6/20/17</a:t>
+              <a:t>6/21/17</a:t>
             </a:fld>
             <a:endParaRPr lang="en-US" dirty="0"/>
           </a:p>
@@ -5297,7 +5297,7 @@
           <a:p>
             <a:fld id="{1471A834-4F3C-4AF9-9C74-05EC35A0F292}" type="datetimeFigureOut">
               <a:rPr lang="en-US" dirty="0"/>
-              <a:t>6/20/17</a:t>
+              <a:t>6/21/17</a:t>
             </a:fld>
             <a:endParaRPr lang="en-US" dirty="0"/>
           </a:p>
@@ -5532,7 +5532,7 @@
           <a:p>
             <a:fld id="{51CF1133-3259-4C45-BABA-5B62D9C6F78D}" type="datetimeFigureOut">
               <a:rPr lang="en-US" dirty="0"/>
-              <a:t>6/20/17</a:t>
+              <a:t>6/21/17</a:t>
             </a:fld>
             <a:endParaRPr lang="en-US" dirty="0"/>
           </a:p>
@@ -6216,7 +6216,7 @@
 </file>
 
 <file path=ppt/slides/slide10.xml><?xml version="1.0" encoding="utf-8"?>
-<p:sld xmlns:a="http://schemas.openxmlformats.org/drawingml/2006/main" xmlns:r="http://schemas.openxmlformats.org/officeDocument/2006/relationships" xmlns:p="http://schemas.openxmlformats.org/presentationml/2006/main" show="0">
+<p:sld xmlns:a="http://schemas.openxmlformats.org/drawingml/2006/main" xmlns:r="http://schemas.openxmlformats.org/officeDocument/2006/relationships" xmlns:p="http://schemas.openxmlformats.org/presentationml/2006/main">
   <p:cSld>
     <p:spTree>
       <p:nvGrpSpPr>
@@ -6799,15 +6799,7 @@
             <a:pPr lvl="1"/>
             <a:r>
               <a:rPr lang="en-US" dirty="0" smtClean="0"/>
-              <a:t>Google / YouTube / </a:t>
-            </a:r>
-            <a:r>
-              <a:rPr lang="en-US" dirty="0" smtClean="0"/>
-              <a:t>w3Schools </a:t>
-            </a:r>
-            <a:r>
-              <a:rPr lang="en-US" dirty="0" smtClean="0"/>
-              <a:t>Online / </a:t>
+              <a:t>Google / YouTube / w3Schools Online / </a:t>
             </a:r>
             <a:r>
               <a:rPr lang="en-US" dirty="0" err="1" smtClean="0"/>
@@ -7898,11 +7890,7 @@
             <a:pPr lvl="1"/>
             <a:r>
               <a:rPr lang="en-US" dirty="0" smtClean="0"/>
-              <a:t>Attempted to use OneDrive / Decided </a:t>
-            </a:r>
-            <a:r>
-              <a:rPr lang="en-US" dirty="0" smtClean="0"/>
-              <a:t>on S3</a:t>
+              <a:t>Attempted to use OneDrive / Decided on S3</a:t>
             </a:r>
           </a:p>
           <a:p>
@@ -8061,8 +8049,13 @@
             <a:pPr lvl="1"/>
             <a:r>
               <a:rPr lang="en-US" dirty="0" smtClean="0"/>
-              <a:t>Pull from outside feeds</a:t>
-            </a:r>
+              <a:t>Pull from outside </a:t>
+            </a:r>
+            <a:r>
+              <a:rPr lang="en-US" dirty="0" smtClean="0"/>
+              <a:t>feeds – NFL Stats / Weather / etc..</a:t>
+            </a:r>
+            <a:endParaRPr lang="en-US" dirty="0" smtClean="0"/>
           </a:p>
           <a:p>
             <a:pPr lvl="1"/>
@@ -8122,7 +8115,7 @@
 </file>
 
 <file path=ppt/slides/slide9.xml><?xml version="1.0" encoding="utf-8"?>
-<p:sld xmlns:a="http://schemas.openxmlformats.org/drawingml/2006/main" xmlns:r="http://schemas.openxmlformats.org/officeDocument/2006/relationships" xmlns:p="http://schemas.openxmlformats.org/presentationml/2006/main">
+<p:sld xmlns:a="http://schemas.openxmlformats.org/drawingml/2006/main" xmlns:r="http://schemas.openxmlformats.org/officeDocument/2006/relationships" xmlns:p="http://schemas.openxmlformats.org/presentationml/2006/main" show="0">
   <p:cSld>
     <p:spTree>
       <p:nvGrpSpPr>
@@ -8177,6 +8170,14 @@
   <p:clrMapOvr>
     <a:masterClrMapping/>
   </p:clrMapOvr>
+  <mc:AlternateContent xmlns:mc="http://schemas.openxmlformats.org/markup-compatibility/2006">
+    <mc:Choice xmlns:p14="http://schemas.microsoft.com/office/powerpoint/2010/main" Requires="p14">
+      <p:transition spd="slow" p14:dur="2000"/>
+    </mc:Choice>
+    <mc:Fallback>
+      <p:transition spd="slow"/>
+    </mc:Fallback>
+  </mc:AlternateContent>
 </p:sld>
 </file>
 

--- a/Doug Herd Project Presentation.pptx
+++ b/Doug Herd Project Presentation.pptx
@@ -6339,11 +6339,11 @@
   <p:clrMapOvr>
     <a:masterClrMapping/>
   </p:clrMapOvr>
-  <mc:AlternateContent xmlns:mc="http://schemas.openxmlformats.org/markup-compatibility/2006">
-    <mc:Choice xmlns:p14="http://schemas.microsoft.com/office/powerpoint/2010/main" Requires="p14">
+  <mc:AlternateContent xmlns:mc="http://schemas.openxmlformats.org/markup-compatibility/2006" xmlns:p14="http://schemas.microsoft.com/office/powerpoint/2010/main">
+    <mc:Choice Requires="p14">
       <p:transition spd="slow" p14:dur="2000"/>
     </mc:Choice>
-    <mc:Fallback>
+    <mc:Fallback xmlns="">
       <p:transition spd="slow"/>
     </mc:Fallback>
   </mc:AlternateContent>
@@ -8049,20 +8049,27 @@
             <a:pPr lvl="1"/>
             <a:r>
               <a:rPr lang="en-US" dirty="0" smtClean="0"/>
-              <a:t>Pull from outside </a:t>
-            </a:r>
+              <a:t>Pull from outside feeds – NFL Stats / Weather / etc..</a:t>
+            </a:r>
+          </a:p>
+          <a:p>
+            <a:pPr lvl="1"/>
             <a:r>
               <a:rPr lang="en-US" dirty="0" smtClean="0"/>
-              <a:t>feeds – NFL Stats / Weather / etc..</a:t>
+              <a:t>Alexa Open </a:t>
+            </a:r>
+            <a:r>
+              <a:rPr lang="en-US" dirty="0" smtClean="0"/>
+              <a:t>API’s</a:t>
+            </a:r>
+          </a:p>
+          <a:p>
+            <a:pPr lvl="1"/>
+            <a:r>
+              <a:rPr lang="en-US" dirty="0" smtClean="0"/>
+              <a:t>Log to console</a:t>
             </a:r>
             <a:endParaRPr lang="en-US" dirty="0" smtClean="0"/>
-          </a:p>
-          <a:p>
-            <a:pPr lvl="1"/>
-            <a:r>
-              <a:rPr lang="en-US" dirty="0" smtClean="0"/>
-              <a:t>Alexa Open API’s</a:t>
-            </a:r>
           </a:p>
           <a:p>
             <a:r>

--- a/Doug Herd Project Presentation.pptx
+++ b/Doug Herd Project Presentation.pptx
@@ -8,8 +8,8 @@
     <p:notesMasterId r:id="rId12"/>
   </p:notesMasterIdLst>
   <p:sldIdLst>
-    <p:sldId id="256" r:id="rId2"/>
-    <p:sldId id="264" r:id="rId3"/>
+    <p:sldId id="264" r:id="rId2"/>
+    <p:sldId id="256" r:id="rId3"/>
     <p:sldId id="257" r:id="rId4"/>
     <p:sldId id="258" r:id="rId5"/>
     <p:sldId id="259" r:id="rId6"/>
@@ -6075,7 +6075,7 @@
 </file>
 
 <file path=ppt/slides/slide1.xml><?xml version="1.0" encoding="utf-8"?>
-<p:sld xmlns:a="http://schemas.openxmlformats.org/drawingml/2006/main" xmlns:r="http://schemas.openxmlformats.org/officeDocument/2006/relationships" xmlns:p="http://schemas.openxmlformats.org/presentationml/2006/main" show="0">
+<p:sld xmlns:a="http://schemas.openxmlformats.org/drawingml/2006/main" xmlns:r="http://schemas.openxmlformats.org/officeDocument/2006/relationships" xmlns:p="http://schemas.openxmlformats.org/presentationml/2006/main">
   <p:cSld>
     <p:spTree>
       <p:nvGrpSpPr>
@@ -6091,46 +6091,31 @@
           <a:chExt cx="0" cy="0"/>
         </a:xfrm>
       </p:grpSpPr>
-      <p:pic>
-        <p:nvPicPr>
-          <p:cNvPr id="1026" name="Picture 2" descr="ttps://cbi-blog.s3.amazonaws.com/blog/wp-content/uploads/2017/01/Unicorns-2016-recap-cover-photo.jpg"/>
-          <p:cNvPicPr>
-            <a:picLocks noChangeAspect="1" noChangeArrowheads="1"/>
-          </p:cNvPicPr>
-          <p:nvPr/>
-        </p:nvPicPr>
-        <p:blipFill rotWithShape="1">
-          <a:blip r:embed="rId2">
-            <a:alphaModFix amt="16000"/>
-            <a:extLst>
-              <a:ext uri="{28A0092B-C50C-407E-A947-70E740481C1C}">
-                <a14:useLocalDpi xmlns:a14="http://schemas.microsoft.com/office/drawing/2010/main" val="0"/>
-              </a:ext>
-            </a:extLst>
-          </a:blip>
-          <a:srcRect l="2" r="16623"/>
-          <a:stretch/>
-        </p:blipFill>
-        <p:spPr bwMode="auto">
-          <a:xfrm>
-            <a:off x="0" y="0"/>
-            <a:ext cx="12161520" cy="6858000"/>
-          </a:xfrm>
-          <a:prstGeom prst="rect">
-            <a:avLst/>
-          </a:prstGeom>
-          <a:noFill/>
-          <a:extLst>
-            <a:ext uri="{909E8E84-426E-40DD-AFC4-6F175D3DCCD1}">
-              <a14:hiddenFill xmlns:a14="http://schemas.microsoft.com/office/drawing/2010/main">
-                <a:solidFill>
-                  <a:srgbClr val="FFFFFF"/>
-                </a:solidFill>
-              </a14:hiddenFill>
-            </a:ext>
-          </a:extLst>
-        </p:spPr>
-      </p:pic>
+      <p:sp>
+        <p:nvSpPr>
+          <p:cNvPr id="2" name="Title 1"/>
+          <p:cNvSpPr>
+            <a:spLocks noGrp="1"/>
+          </p:cNvSpPr>
+          <p:nvPr>
+            <p:ph type="ctrTitle"/>
+          </p:nvPr>
+        </p:nvSpPr>
+        <p:spPr/>
+        <p:txBody>
+          <a:bodyPr>
+            <a:normAutofit/>
+          </a:bodyPr>
+          <a:lstStyle/>
+          <a:p>
+            <a:r>
+              <a:rPr lang="en-US" dirty="0" smtClean="0"/>
+              <a:t>Project Unicorn</a:t>
+            </a:r>
+            <a:endParaRPr lang="en-US" sz="2700" dirty="0"/>
+          </a:p>
+        </p:txBody>
+      </p:sp>
       <p:sp>
         <p:nvSpPr>
           <p:cNvPr id="3" name="Subtitle 2"/>
@@ -6141,70 +6126,30 @@
             <p:ph type="subTitle" idx="1"/>
           </p:nvPr>
         </p:nvSpPr>
-        <p:spPr>
-          <a:xfrm>
-            <a:off x="2649638" y="5867401"/>
-            <a:ext cx="9144000" cy="754025"/>
-          </a:xfrm>
-        </p:spPr>
-        <p:txBody>
-          <a:bodyPr/>
+        <p:spPr/>
+        <p:txBody>
+          <a:bodyPr>
+            <a:normAutofit/>
+          </a:bodyPr>
           <a:lstStyle/>
           <a:p>
             <a:r>
               <a:rPr lang="en-US" dirty="0" smtClean="0"/>
               <a:t>Doug Herd – SE Candidate</a:t>
             </a:r>
-            <a:endParaRPr lang="en-US" dirty="0"/>
-          </a:p>
-        </p:txBody>
-      </p:sp>
-      <p:sp>
-        <p:nvSpPr>
-          <p:cNvPr id="2" name="Title 1"/>
-          <p:cNvSpPr>
-            <a:spLocks noGrp="1"/>
-          </p:cNvSpPr>
-          <p:nvPr>
-            <p:ph type="ctrTitle"/>
-          </p:nvPr>
-        </p:nvSpPr>
-        <p:spPr>
-          <a:xfrm>
-            <a:off x="2649638" y="297142"/>
-            <a:ext cx="9144000" cy="1641490"/>
-          </a:xfrm>
-        </p:spPr>
-        <p:txBody>
-          <a:bodyPr/>
-          <a:lstStyle/>
-          <a:p>
-            <a:r>
-              <a:rPr lang="en-US" dirty="0" smtClean="0"/>
-              <a:t>Project Unicorn</a:t>
-            </a:r>
-            <a:endParaRPr lang="en-US" dirty="0"/>
           </a:p>
         </p:txBody>
       </p:sp>
     </p:spTree>
     <p:extLst>
       <p:ext uri="{BB962C8B-B14F-4D97-AF65-F5344CB8AC3E}">
-        <p14:creationId xmlns:p14="http://schemas.microsoft.com/office/powerpoint/2010/main" val="2027462464"/>
+        <p14:creationId xmlns:p14="http://schemas.microsoft.com/office/powerpoint/2010/main" val="60785416"/>
       </p:ext>
     </p:extLst>
   </p:cSld>
   <p:clrMapOvr>
     <a:masterClrMapping/>
   </p:clrMapOvr>
-  <mc:AlternateContent xmlns:mc="http://schemas.openxmlformats.org/markup-compatibility/2006">
-    <mc:Choice xmlns:p14="http://schemas.microsoft.com/office/powerpoint/2010/main" Requires="p14">
-      <p:transition spd="slow" p14:dur="2000"/>
-    </mc:Choice>
-    <mc:Fallback>
-      <p:transition spd="slow"/>
-    </mc:Fallback>
-  </mc:AlternateContent>
   <p:timing>
     <p:tnLst>
       <p:par>
@@ -6358,7 +6303,7 @@
 </file>
 
 <file path=ppt/slides/slide2.xml><?xml version="1.0" encoding="utf-8"?>
-<p:sld xmlns:a="http://schemas.openxmlformats.org/drawingml/2006/main" xmlns:r="http://schemas.openxmlformats.org/officeDocument/2006/relationships" xmlns:p="http://schemas.openxmlformats.org/presentationml/2006/main">
+<p:sld xmlns:a="http://schemas.openxmlformats.org/drawingml/2006/main" xmlns:r="http://schemas.openxmlformats.org/officeDocument/2006/relationships" xmlns:p="http://schemas.openxmlformats.org/presentationml/2006/main" show="0">
   <p:cSld>
     <p:spTree>
       <p:nvGrpSpPr>
@@ -6374,6 +6319,74 @@
           <a:chExt cx="0" cy="0"/>
         </a:xfrm>
       </p:grpSpPr>
+      <p:pic>
+        <p:nvPicPr>
+          <p:cNvPr id="1026" name="Picture 2" descr="ttps://cbi-blog.s3.amazonaws.com/blog/wp-content/uploads/2017/01/Unicorns-2016-recap-cover-photo.jpg"/>
+          <p:cNvPicPr>
+            <a:picLocks noChangeAspect="1" noChangeArrowheads="1"/>
+          </p:cNvPicPr>
+          <p:nvPr/>
+        </p:nvPicPr>
+        <p:blipFill rotWithShape="1">
+          <a:blip r:embed="rId2">
+            <a:alphaModFix amt="16000"/>
+            <a:extLst>
+              <a:ext uri="{28A0092B-C50C-407E-A947-70E740481C1C}">
+                <a14:useLocalDpi xmlns:a14="http://schemas.microsoft.com/office/drawing/2010/main" val="0"/>
+              </a:ext>
+            </a:extLst>
+          </a:blip>
+          <a:srcRect l="2" r="16623"/>
+          <a:stretch/>
+        </p:blipFill>
+        <p:spPr bwMode="auto">
+          <a:xfrm>
+            <a:off x="0" y="0"/>
+            <a:ext cx="12161520" cy="6858000"/>
+          </a:xfrm>
+          <a:prstGeom prst="rect">
+            <a:avLst/>
+          </a:prstGeom>
+          <a:noFill/>
+          <a:extLst>
+            <a:ext uri="{909E8E84-426E-40DD-AFC4-6F175D3DCCD1}">
+              <a14:hiddenFill xmlns:a14="http://schemas.microsoft.com/office/drawing/2010/main">
+                <a:solidFill>
+                  <a:srgbClr val="FFFFFF"/>
+                </a:solidFill>
+              </a14:hiddenFill>
+            </a:ext>
+          </a:extLst>
+        </p:spPr>
+      </p:pic>
+      <p:sp>
+        <p:nvSpPr>
+          <p:cNvPr id="3" name="Subtitle 2"/>
+          <p:cNvSpPr>
+            <a:spLocks noGrp="1"/>
+          </p:cNvSpPr>
+          <p:nvPr>
+            <p:ph type="subTitle" idx="1"/>
+          </p:nvPr>
+        </p:nvSpPr>
+        <p:spPr>
+          <a:xfrm>
+            <a:off x="2649638" y="5867401"/>
+            <a:ext cx="9144000" cy="754025"/>
+          </a:xfrm>
+        </p:spPr>
+        <p:txBody>
+          <a:bodyPr/>
+          <a:lstStyle/>
+          <a:p>
+            <a:r>
+              <a:rPr lang="en-US" dirty="0" smtClean="0"/>
+              <a:t>Doug Herd – SE Candidate</a:t>
+            </a:r>
+            <a:endParaRPr lang="en-US" dirty="0"/>
+          </a:p>
+        </p:txBody>
+      </p:sp>
       <p:sp>
         <p:nvSpPr>
           <p:cNvPr id="2" name="Title 1"/>
@@ -6384,55 +6397,42 @@
             <p:ph type="ctrTitle"/>
           </p:nvPr>
         </p:nvSpPr>
-        <p:spPr/>
-        <p:txBody>
-          <a:bodyPr>
-            <a:normAutofit/>
-          </a:bodyPr>
+        <p:spPr>
+          <a:xfrm>
+            <a:off x="2649638" y="297142"/>
+            <a:ext cx="9144000" cy="1641490"/>
+          </a:xfrm>
+        </p:spPr>
+        <p:txBody>
+          <a:bodyPr/>
           <a:lstStyle/>
           <a:p>
             <a:r>
               <a:rPr lang="en-US" dirty="0" smtClean="0"/>
               <a:t>Project Unicorn</a:t>
             </a:r>
-            <a:endParaRPr lang="en-US" sz="2700" dirty="0"/>
-          </a:p>
-        </p:txBody>
-      </p:sp>
-      <p:sp>
-        <p:nvSpPr>
-          <p:cNvPr id="3" name="Subtitle 2"/>
-          <p:cNvSpPr>
-            <a:spLocks noGrp="1"/>
-          </p:cNvSpPr>
-          <p:nvPr>
-            <p:ph type="subTitle" idx="1"/>
-          </p:nvPr>
-        </p:nvSpPr>
-        <p:spPr/>
-        <p:txBody>
-          <a:bodyPr>
-            <a:normAutofit/>
-          </a:bodyPr>
-          <a:lstStyle/>
-          <a:p>
-            <a:r>
-              <a:rPr lang="en-US" dirty="0" smtClean="0"/>
-              <a:t>Doug Herd – SE Candidate</a:t>
-            </a:r>
+            <a:endParaRPr lang="en-US" dirty="0"/>
           </a:p>
         </p:txBody>
       </p:sp>
     </p:spTree>
     <p:extLst>
       <p:ext uri="{BB962C8B-B14F-4D97-AF65-F5344CB8AC3E}">
-        <p14:creationId xmlns:p14="http://schemas.microsoft.com/office/powerpoint/2010/main" val="60785416"/>
+        <p14:creationId xmlns:p14="http://schemas.microsoft.com/office/powerpoint/2010/main" val="2027462464"/>
       </p:ext>
     </p:extLst>
   </p:cSld>
   <p:clrMapOvr>
     <a:masterClrMapping/>
   </p:clrMapOvr>
+  <mc:AlternateContent xmlns:mc="http://schemas.openxmlformats.org/markup-compatibility/2006">
+    <mc:Choice xmlns:p14="http://schemas.microsoft.com/office/powerpoint/2010/main" Requires="p14">
+      <p:transition spd="slow" p14:dur="2000"/>
+    </mc:Choice>
+    <mc:Fallback>
+      <p:transition spd="slow"/>
+    </mc:Fallback>
+  </mc:AlternateContent>
   <p:timing>
     <p:tnLst>
       <p:par>
@@ -6645,8 +6645,24 @@
             <a:pPr lvl="1"/>
             <a:r>
               <a:rPr lang="en-US" dirty="0" smtClean="0"/>
-              <a:t>Full product suite</a:t>
-            </a:r>
+              <a:t>Full product </a:t>
+            </a:r>
+            <a:r>
+              <a:rPr lang="en-US" dirty="0" smtClean="0"/>
+              <a:t>suite</a:t>
+            </a:r>
+          </a:p>
+          <a:p>
+            <a:pPr lvl="1"/>
+            <a:r>
+              <a:rPr lang="en-US" dirty="0" smtClean="0"/>
+              <a:t>Lots of documentation </a:t>
+            </a:r>
+            <a:r>
+              <a:rPr lang="en-US" smtClean="0"/>
+              <a:t>for support</a:t>
+            </a:r>
+            <a:endParaRPr lang="en-US" dirty="0" smtClean="0"/>
           </a:p>
           <a:p>
             <a:pPr lvl="1"/>
